--- a/figures/structures/protein_structure_figures_vert.pptx
+++ b/figures/structures/protein_structure_figures_vert.pptx
@@ -107,6 +107,11 @@
       </a:defRPr>
     </a:lvl9pPr>
   </p:defaultTextStyle>
+  <p:extLst>
+    <p:ext uri="{EFAFB233-063F-42B5-8137-9DF3F51BA10A}">
+      <p15:sldGuideLst xmlns:p15="http://schemas.microsoft.com/office/powerpoint/2012/main"/>
+    </p:ext>
+  </p:extLst>
 </p:presentation>
 </file>
 
@@ -192,7 +197,7 @@
           <a:p>
             <a:fld id="{D28BDA44-E792-4D06-A16E-24497FB2A222}" type="datetimeFigureOut">
               <a:rPr lang="en-US" smtClean="0"/>
-              <a:t>7/12/2024</a:t>
+              <a:t>7/13/2024</a:t>
             </a:fld>
             <a:endParaRPr lang="en-US"/>
           </a:p>
@@ -674,7 +679,7 @@
           <a:p>
             <a:fld id="{BCED6C4B-0126-47F6-9B5E-78294000A9AB}" type="datetimeFigureOut">
               <a:rPr lang="en-US" smtClean="0"/>
-              <a:t>7/12/2024</a:t>
+              <a:t>7/13/2024</a:t>
             </a:fld>
             <a:endParaRPr lang="en-US"/>
           </a:p>
@@ -844,7 +849,7 @@
           <a:p>
             <a:fld id="{BCED6C4B-0126-47F6-9B5E-78294000A9AB}" type="datetimeFigureOut">
               <a:rPr lang="en-US" smtClean="0"/>
-              <a:t>7/12/2024</a:t>
+              <a:t>7/13/2024</a:t>
             </a:fld>
             <a:endParaRPr lang="en-US"/>
           </a:p>
@@ -1024,7 +1029,7 @@
           <a:p>
             <a:fld id="{BCED6C4B-0126-47F6-9B5E-78294000A9AB}" type="datetimeFigureOut">
               <a:rPr lang="en-US" smtClean="0"/>
-              <a:t>7/12/2024</a:t>
+              <a:t>7/13/2024</a:t>
             </a:fld>
             <a:endParaRPr lang="en-US"/>
           </a:p>
@@ -1194,7 +1199,7 @@
           <a:p>
             <a:fld id="{BCED6C4B-0126-47F6-9B5E-78294000A9AB}" type="datetimeFigureOut">
               <a:rPr lang="en-US" smtClean="0"/>
-              <a:t>7/12/2024</a:t>
+              <a:t>7/13/2024</a:t>
             </a:fld>
             <a:endParaRPr lang="en-US"/>
           </a:p>
@@ -1440,7 +1445,7 @@
           <a:p>
             <a:fld id="{BCED6C4B-0126-47F6-9B5E-78294000A9AB}" type="datetimeFigureOut">
               <a:rPr lang="en-US" smtClean="0"/>
-              <a:t>7/12/2024</a:t>
+              <a:t>7/13/2024</a:t>
             </a:fld>
             <a:endParaRPr lang="en-US"/>
           </a:p>
@@ -1672,7 +1677,7 @@
           <a:p>
             <a:fld id="{BCED6C4B-0126-47F6-9B5E-78294000A9AB}" type="datetimeFigureOut">
               <a:rPr lang="en-US" smtClean="0"/>
-              <a:t>7/12/2024</a:t>
+              <a:t>7/13/2024</a:t>
             </a:fld>
             <a:endParaRPr lang="en-US"/>
           </a:p>
@@ -2039,7 +2044,7 @@
           <a:p>
             <a:fld id="{BCED6C4B-0126-47F6-9B5E-78294000A9AB}" type="datetimeFigureOut">
               <a:rPr lang="en-US" smtClean="0"/>
-              <a:t>7/12/2024</a:t>
+              <a:t>7/13/2024</a:t>
             </a:fld>
             <a:endParaRPr lang="en-US"/>
           </a:p>
@@ -2157,7 +2162,7 @@
           <a:p>
             <a:fld id="{BCED6C4B-0126-47F6-9B5E-78294000A9AB}" type="datetimeFigureOut">
               <a:rPr lang="en-US" smtClean="0"/>
-              <a:t>7/12/2024</a:t>
+              <a:t>7/13/2024</a:t>
             </a:fld>
             <a:endParaRPr lang="en-US"/>
           </a:p>
@@ -2252,7 +2257,7 @@
           <a:p>
             <a:fld id="{BCED6C4B-0126-47F6-9B5E-78294000A9AB}" type="datetimeFigureOut">
               <a:rPr lang="en-US" smtClean="0"/>
-              <a:t>7/12/2024</a:t>
+              <a:t>7/13/2024</a:t>
             </a:fld>
             <a:endParaRPr lang="en-US"/>
           </a:p>
@@ -2529,7 +2534,7 @@
           <a:p>
             <a:fld id="{BCED6C4B-0126-47F6-9B5E-78294000A9AB}" type="datetimeFigureOut">
               <a:rPr lang="en-US" smtClean="0"/>
-              <a:t>7/12/2024</a:t>
+              <a:t>7/13/2024</a:t>
             </a:fld>
             <a:endParaRPr lang="en-US"/>
           </a:p>
@@ -2786,7 +2791,7 @@
           <a:p>
             <a:fld id="{BCED6C4B-0126-47F6-9B5E-78294000A9AB}" type="datetimeFigureOut">
               <a:rPr lang="en-US" smtClean="0"/>
-              <a:t>7/12/2024</a:t>
+              <a:t>7/13/2024</a:t>
             </a:fld>
             <a:endParaRPr lang="en-US"/>
           </a:p>
@@ -2999,7 +3004,7 @@
           <a:p>
             <a:fld id="{BCED6C4B-0126-47F6-9B5E-78294000A9AB}" type="datetimeFigureOut">
               <a:rPr lang="en-US" smtClean="0"/>
-              <a:t>7/12/2024</a:t>
+              <a:t>7/13/2024</a:t>
             </a:fld>
             <a:endParaRPr lang="en-US"/>
           </a:p>
@@ -3864,7 +3869,7 @@
             <a:pPr algn="ctr"/>
             <a:r>
               <a:rPr lang="en-US" sz="1600" dirty="0"/>
-              <a:t>K159, N189, D190, E191, A192, K196, K225, S231</a:t>
+              <a:t>K159, N189, D190, E191, A192, K196, K225, S230</a:t>
             </a:r>
           </a:p>
         </p:txBody>
@@ -3909,7 +3914,7 @@
             <a:pPr algn="ctr"/>
             <a:r>
               <a:rPr lang="en-US" sz="1600" dirty="0"/>
-              <a:t>D133, V136, S140, E147, S148, N161, D162, D190, T192, R196, Q225, G228, Q229, R230</a:t>
+              <a:t>D133, V138, S140, E147, S148, N161, D162, D190, T192, R196, Q225, G228, Q229, R230</a:t>
             </a:r>
           </a:p>
         </p:txBody>
@@ -4158,7 +4163,7 @@
         <p:spPr>
           <a:xfrm>
             <a:off x="814353" y="5220247"/>
-            <a:ext cx="4572000" cy="310213"/>
+            <a:ext cx="4572000" cy="310211"/>
           </a:xfrm>
           <a:prstGeom prst="rect">
             <a:avLst/>
@@ -4331,7 +4336,7 @@
         </p:nvSpPr>
         <p:spPr>
           <a:xfrm>
-            <a:off x="814353" y="5206063"/>
+            <a:off x="814353" y="5212625"/>
             <a:ext cx="310213" cy="310213"/>
           </a:xfrm>
           <a:prstGeom prst="rect">
@@ -4390,7 +4395,7 @@
         </p:nvSpPr>
         <p:spPr>
           <a:xfrm>
-            <a:off x="5500483" y="5206062"/>
+            <a:off x="5494133" y="5212625"/>
             <a:ext cx="310213" cy="310213"/>
           </a:xfrm>
           <a:prstGeom prst="rect">
@@ -4449,7 +4454,7 @@
         </p:nvSpPr>
         <p:spPr>
           <a:xfrm>
-            <a:off x="10186613" y="5206061"/>
+            <a:off x="10192963" y="5212626"/>
             <a:ext cx="310213" cy="310213"/>
           </a:xfrm>
           <a:prstGeom prst="rect">
@@ -4541,7 +4546,7 @@
             <a:pPr algn="ctr"/>
             <a:r>
               <a:rPr lang="en-US" sz="1600" dirty="0"/>
-              <a:t>E152, N153, E177, F236, Y261, K262, K266</a:t>
+              <a:t>R152, N153, E177, F236, Y261, K262, K266</a:t>
             </a:r>
           </a:p>
         </p:txBody>
@@ -4586,7 +4591,7 @@
             <a:pPr algn="ctr"/>
             <a:r>
               <a:rPr lang="en-US" sz="1600" dirty="0"/>
-              <a:t>N133, T135, S138, G142, S143, S144, S145, N158, N159, D186,N190, S198, R222, D225</a:t>
+              <a:t>N133, T135, S137, G142, S143, S144, S145, N158, N159, D186, N190, S198, R222, D225</a:t>
             </a:r>
           </a:p>
         </p:txBody>
@@ -4631,7 +4636,7 @@
             <a:pPr algn="ctr"/>
             <a:r>
               <a:rPr lang="en-US" sz="1600" dirty="0"/>
-              <a:t>S135, S136, S140, A141, C142, P143, G146, G148, K159, D160, N161, N189, D190, A191, T195, K196, K225, N227, G228, Q229</a:t>
+              <a:t>S135, S136, S140, A141, C142, P143, G146, S148, K159, D160, N161, N189, D190, A191, T195, K196, K225, N227, G228, Q229</a:t>
             </a:r>
           </a:p>
         </p:txBody>
